--- a/presentation/plots/Framework.pptx
+++ b/presentation/plots/Framework.pptx
@@ -261,7 +261,7 @@
           <a:p>
             <a:fld id="{4F689744-E23E-0344-89B7-7A55DF0E6E03}" type="datetimeFigureOut">
               <a:rPr lang="en-US" smtClean="0"/>
-              <a:t>11/26/2021</a:t>
+              <a:t>11/29/2021</a:t>
             </a:fld>
             <a:endParaRPr lang="en-US"/>
           </a:p>
@@ -461,7 +461,7 @@
           <a:p>
             <a:fld id="{4F689744-E23E-0344-89B7-7A55DF0E6E03}" type="datetimeFigureOut">
               <a:rPr lang="en-US" smtClean="0"/>
-              <a:t>11/26/2021</a:t>
+              <a:t>11/29/2021</a:t>
             </a:fld>
             <a:endParaRPr lang="en-US"/>
           </a:p>
@@ -671,7 +671,7 @@
           <a:p>
             <a:fld id="{4F689744-E23E-0344-89B7-7A55DF0E6E03}" type="datetimeFigureOut">
               <a:rPr lang="en-US" smtClean="0"/>
-              <a:t>11/26/2021</a:t>
+              <a:t>11/29/2021</a:t>
             </a:fld>
             <a:endParaRPr lang="en-US"/>
           </a:p>
@@ -871,7 +871,7 @@
           <a:p>
             <a:fld id="{4F689744-E23E-0344-89B7-7A55DF0E6E03}" type="datetimeFigureOut">
               <a:rPr lang="en-US" smtClean="0"/>
-              <a:t>11/26/2021</a:t>
+              <a:t>11/29/2021</a:t>
             </a:fld>
             <a:endParaRPr lang="en-US"/>
           </a:p>
@@ -1147,7 +1147,7 @@
           <a:p>
             <a:fld id="{4F689744-E23E-0344-89B7-7A55DF0E6E03}" type="datetimeFigureOut">
               <a:rPr lang="en-US" smtClean="0"/>
-              <a:t>11/26/2021</a:t>
+              <a:t>11/29/2021</a:t>
             </a:fld>
             <a:endParaRPr lang="en-US"/>
           </a:p>
@@ -1415,7 +1415,7 @@
           <a:p>
             <a:fld id="{4F689744-E23E-0344-89B7-7A55DF0E6E03}" type="datetimeFigureOut">
               <a:rPr lang="en-US" smtClean="0"/>
-              <a:t>11/26/2021</a:t>
+              <a:t>11/29/2021</a:t>
             </a:fld>
             <a:endParaRPr lang="en-US"/>
           </a:p>
@@ -1830,7 +1830,7 @@
           <a:p>
             <a:fld id="{4F689744-E23E-0344-89B7-7A55DF0E6E03}" type="datetimeFigureOut">
               <a:rPr lang="en-US" smtClean="0"/>
-              <a:t>11/26/2021</a:t>
+              <a:t>11/29/2021</a:t>
             </a:fld>
             <a:endParaRPr lang="en-US"/>
           </a:p>
@@ -1972,7 +1972,7 @@
           <a:p>
             <a:fld id="{4F689744-E23E-0344-89B7-7A55DF0E6E03}" type="datetimeFigureOut">
               <a:rPr lang="en-US" smtClean="0"/>
-              <a:t>11/26/2021</a:t>
+              <a:t>11/29/2021</a:t>
             </a:fld>
             <a:endParaRPr lang="en-US"/>
           </a:p>
@@ -2085,7 +2085,7 @@
           <a:p>
             <a:fld id="{4F689744-E23E-0344-89B7-7A55DF0E6E03}" type="datetimeFigureOut">
               <a:rPr lang="en-US" smtClean="0"/>
-              <a:t>11/26/2021</a:t>
+              <a:t>11/29/2021</a:t>
             </a:fld>
             <a:endParaRPr lang="en-US"/>
           </a:p>
@@ -2398,7 +2398,7 @@
           <a:p>
             <a:fld id="{4F689744-E23E-0344-89B7-7A55DF0E6E03}" type="datetimeFigureOut">
               <a:rPr lang="en-US" smtClean="0"/>
-              <a:t>11/26/2021</a:t>
+              <a:t>11/29/2021</a:t>
             </a:fld>
             <a:endParaRPr lang="en-US"/>
           </a:p>
@@ -2687,7 +2687,7 @@
           <a:p>
             <a:fld id="{4F689744-E23E-0344-89B7-7A55DF0E6E03}" type="datetimeFigureOut">
               <a:rPr lang="en-US" smtClean="0"/>
-              <a:t>11/26/2021</a:t>
+              <a:t>11/29/2021</a:t>
             </a:fld>
             <a:endParaRPr lang="en-US"/>
           </a:p>
@@ -2930,7 +2930,7 @@
           <a:p>
             <a:fld id="{4F689744-E23E-0344-89B7-7A55DF0E6E03}" type="datetimeFigureOut">
               <a:rPr lang="en-US" smtClean="0"/>
-              <a:t>11/26/2021</a:t>
+              <a:t>11/29/2021</a:t>
             </a:fld>
             <a:endParaRPr lang="en-US"/>
           </a:p>
@@ -3662,7 +3662,7 @@
         </p:nvSpPr>
         <p:spPr>
           <a:xfrm>
-            <a:off x="10518" y="2532983"/>
+            <a:off x="10518" y="3914518"/>
             <a:ext cx="2120086" cy="957933"/>
           </a:xfrm>
           <a:prstGeom prst="ellipse">
@@ -3719,7 +3719,7 @@
         </p:nvCxnSpPr>
         <p:spPr>
           <a:xfrm>
-            <a:off x="2130604" y="2996787"/>
+            <a:off x="2130604" y="4378322"/>
             <a:ext cx="617517" cy="3907"/>
           </a:xfrm>
           <a:prstGeom prst="straightConnector1">
@@ -3762,7 +3762,7 @@
         </p:nvSpPr>
         <p:spPr>
           <a:xfrm>
-            <a:off x="2748121" y="2536888"/>
+            <a:off x="2748121" y="3918423"/>
             <a:ext cx="1382452" cy="1036620"/>
           </a:xfrm>
           <a:prstGeom prst="rect">
@@ -3821,7 +3821,7 @@
         </p:nvCxnSpPr>
         <p:spPr>
           <a:xfrm flipV="1">
-            <a:off x="3439347" y="3573508"/>
+            <a:off x="3439347" y="4955043"/>
             <a:ext cx="0" cy="599089"/>
           </a:xfrm>
           <a:prstGeom prst="straightConnector1">
@@ -3864,7 +3864,7 @@
         </p:nvSpPr>
         <p:spPr>
           <a:xfrm>
-            <a:off x="2379304" y="4172597"/>
+            <a:off x="2379304" y="5554132"/>
             <a:ext cx="2120086" cy="1265430"/>
           </a:xfrm>
           <a:prstGeom prst="ellipse">
@@ -3921,7 +3921,7 @@
         </p:nvCxnSpPr>
         <p:spPr>
           <a:xfrm>
-            <a:off x="4130573" y="3011949"/>
+            <a:off x="4130573" y="4393484"/>
             <a:ext cx="617517" cy="3907"/>
           </a:xfrm>
           <a:prstGeom prst="straightConnector1">
@@ -3964,7 +3964,7 @@
         </p:nvSpPr>
         <p:spPr>
           <a:xfrm>
-            <a:off x="4748090" y="2532982"/>
+            <a:off x="4748090" y="3914517"/>
             <a:ext cx="1382452" cy="1036620"/>
           </a:xfrm>
           <a:prstGeom prst="rect">
@@ -4021,7 +4021,7 @@
         </p:nvCxnSpPr>
         <p:spPr>
           <a:xfrm>
-            <a:off x="6130542" y="3008043"/>
+            <a:off x="6130542" y="4389578"/>
             <a:ext cx="617517" cy="3907"/>
           </a:xfrm>
           <a:prstGeom prst="straightConnector1">
@@ -4064,7 +4064,7 @@
         </p:nvSpPr>
         <p:spPr>
           <a:xfrm>
-            <a:off x="6748058" y="2532981"/>
+            <a:off x="6748058" y="3914516"/>
             <a:ext cx="1506703" cy="1036620"/>
           </a:xfrm>
           <a:prstGeom prst="rect">
@@ -4129,7 +4129,7 @@
         </p:nvSpPr>
         <p:spPr>
           <a:xfrm>
-            <a:off x="8945995" y="2532981"/>
+            <a:off x="8945995" y="3914516"/>
             <a:ext cx="1382452" cy="1036620"/>
           </a:xfrm>
           <a:prstGeom prst="rect">
@@ -4186,7 +4186,7 @@
         </p:nvCxnSpPr>
         <p:spPr>
           <a:xfrm>
-            <a:off x="10347505" y="3008043"/>
+            <a:off x="10347505" y="4389578"/>
             <a:ext cx="617517" cy="3907"/>
           </a:xfrm>
           <a:prstGeom prst="straightConnector1">
@@ -4229,7 +4229,7 @@
         </p:nvSpPr>
         <p:spPr>
           <a:xfrm>
-            <a:off x="10953945" y="2532982"/>
+            <a:off x="10953945" y="3914517"/>
             <a:ext cx="1176707" cy="1036619"/>
           </a:xfrm>
           <a:prstGeom prst="rect">
@@ -4286,7 +4286,7 @@
         </p:nvCxnSpPr>
         <p:spPr>
           <a:xfrm>
-            <a:off x="3439347" y="1929983"/>
+            <a:off x="3439347" y="3311518"/>
             <a:ext cx="0" cy="602998"/>
           </a:xfrm>
           <a:prstGeom prst="straightConnector1">
@@ -4329,7 +4329,7 @@
         </p:nvSpPr>
         <p:spPr>
           <a:xfrm>
-            <a:off x="2379304" y="636790"/>
+            <a:off x="2379304" y="2018325"/>
             <a:ext cx="2120086" cy="1265430"/>
           </a:xfrm>
           <a:prstGeom prst="ellipse">
@@ -4370,51 +4370,6 @@
           </a:p>
         </p:txBody>
       </p:sp>
-      <p:cxnSp>
-        <p:nvCxnSpPr>
-          <p:cNvPr id="25" name="Straight Arrow Connector 24">
-            <a:extLst>
-              <a:ext uri="{FF2B5EF4-FFF2-40B4-BE49-F238E27FC236}">
-                <a16:creationId xmlns:a16="http://schemas.microsoft.com/office/drawing/2014/main" id="{E4CE8DC0-F5FE-E24A-830B-D9B5FF4C3103}"/>
-              </a:ext>
-            </a:extLst>
-          </p:cNvPr>
-          <p:cNvCxnSpPr>
-            <a:cxnSpLocks/>
-          </p:cNvCxnSpPr>
-          <p:nvPr/>
-        </p:nvCxnSpPr>
-        <p:spPr>
-          <a:xfrm flipH="1">
-            <a:off x="4499390" y="1269505"/>
-            <a:ext cx="679208" cy="0"/>
-          </a:xfrm>
-          <a:prstGeom prst="straightConnector1">
-            <a:avLst/>
-          </a:prstGeom>
-          <a:ln>
-            <a:solidFill>
-              <a:schemeClr val="tx1"/>
-            </a:solidFill>
-            <a:headEnd type="none"/>
-            <a:tailEnd type="triangle"/>
-          </a:ln>
-        </p:spPr>
-        <p:style>
-          <a:lnRef idx="3">
-            <a:schemeClr val="accent2"/>
-          </a:lnRef>
-          <a:fillRef idx="0">
-            <a:schemeClr val="accent2"/>
-          </a:fillRef>
-          <a:effectRef idx="2">
-            <a:schemeClr val="accent2"/>
-          </a:effectRef>
-          <a:fontRef idx="minor">
-            <a:schemeClr val="tx1"/>
-          </a:fontRef>
-        </p:style>
-      </p:cxnSp>
       <p:sp>
         <p:nvSpPr>
           <p:cNvPr id="28" name="Oval 27">
@@ -4429,7 +4384,7 @@
         </p:nvSpPr>
         <p:spPr>
           <a:xfrm>
-            <a:off x="5178598" y="636790"/>
+            <a:off x="2593747" y="98805"/>
             <a:ext cx="1691199" cy="1265430"/>
           </a:xfrm>
           <a:prstGeom prst="ellipse">
@@ -4613,8 +4568,53 @@
         </p:nvCxnSpPr>
         <p:spPr>
           <a:xfrm>
-            <a:off x="8260743" y="3018320"/>
+            <a:off x="8260743" y="4399855"/>
             <a:ext cx="679269" cy="3907"/>
+          </a:xfrm>
+          <a:prstGeom prst="straightConnector1">
+            <a:avLst/>
+          </a:prstGeom>
+          <a:ln>
+            <a:solidFill>
+              <a:schemeClr val="tx1"/>
+            </a:solidFill>
+            <a:headEnd type="none"/>
+            <a:tailEnd type="triangle"/>
+          </a:ln>
+        </p:spPr>
+        <p:style>
+          <a:lnRef idx="3">
+            <a:schemeClr val="accent2"/>
+          </a:lnRef>
+          <a:fillRef idx="0">
+            <a:schemeClr val="accent2"/>
+          </a:fillRef>
+          <a:effectRef idx="2">
+            <a:schemeClr val="accent2"/>
+          </a:effectRef>
+          <a:fontRef idx="minor">
+            <a:schemeClr val="tx1"/>
+          </a:fontRef>
+        </p:style>
+      </p:cxnSp>
+      <p:cxnSp>
+        <p:nvCxnSpPr>
+          <p:cNvPr id="26" name="Straight Arrow Connector 25">
+            <a:extLst>
+              <a:ext uri="{FF2B5EF4-FFF2-40B4-BE49-F238E27FC236}">
+                <a16:creationId xmlns:a16="http://schemas.microsoft.com/office/drawing/2014/main" id="{180545AE-63FE-44ED-9CC9-0081435740C1}"/>
+              </a:ext>
+            </a:extLst>
+          </p:cNvPr>
+          <p:cNvCxnSpPr>
+            <a:cxnSpLocks/>
+          </p:cNvCxnSpPr>
+          <p:nvPr/>
+        </p:nvCxnSpPr>
+        <p:spPr>
+          <a:xfrm>
+            <a:off x="3439347" y="1393240"/>
+            <a:ext cx="0" cy="602998"/>
           </a:xfrm>
           <a:prstGeom prst="straightConnector1">
             <a:avLst/>
